--- a/exercises/regression/regression_exercises.pptx
+++ b/exercises/regression/regression_exercises.pptx
@@ -255,7 +255,7 @@
             <a:fld id="{57AF82F7-3B33-6D48-9626-CABC5CBE1A55}" type="datetime1">
               <a:rPr lang="it-IT" altLang="x-none"/>
               <a:pPr/>
-              <a:t>02/06/25</a:t>
+              <a:t>28/06/25</a:t>
             </a:fld>
             <a:endParaRPr lang="it-IT" altLang="x-none"/>
           </a:p>
@@ -513,7 +513,7 @@
               </a14:hiddenFill>
             </a:ext>
             <a:ext uri="{FAA26D3D-D897-4be2-8F04-BA451C77F1D7}">
-              <ma14:placeholderFlag xmlns:ma14="http://schemas.microsoft.com/office/mac/drawingml/2011/main" xmlns="" val="1"/>
+              <ma14:placeholderFlag xmlns="" xmlns:ma14="http://schemas.microsoft.com/office/mac/drawingml/2011/main" val="1"/>
             </a:ext>
           </a:extLst>
         </p:spPr>
@@ -2273,7 +2273,7 @@
               </a14:hiddenLine>
             </a:ext>
             <a:ext uri="{FAA26D3D-D897-4be2-8F04-BA451C77F1D7}">
-              <ma14:placeholderFlag xmlns:ma14="http://schemas.microsoft.com/office/mac/drawingml/2011/main" xmlns="" val="1"/>
+              <ma14:placeholderFlag xmlns="" xmlns:ma14="http://schemas.microsoft.com/office/mac/drawingml/2011/main" val="1"/>
             </a:ext>
           </a:extLst>
         </p:spPr>
@@ -2334,7 +2334,7 @@
               </a14:hiddenLine>
             </a:ext>
             <a:ext uri="{FAA26D3D-D897-4be2-8F04-BA451C77F1D7}">
-              <ma14:placeholderFlag xmlns:ma14="http://schemas.microsoft.com/office/mac/drawingml/2011/main" xmlns="" val="1"/>
+              <ma14:placeholderFlag xmlns="" xmlns:ma14="http://schemas.microsoft.com/office/mac/drawingml/2011/main" val="1"/>
             </a:ext>
           </a:extLst>
         </p:spPr>
@@ -2932,11 +2932,14 @@
           <a:lstStyle/>
           <a:p>
             <a:r>
-              <a:rPr lang="it-IT" altLang="x-none">
-                <a:ea typeface="ＭＳ Ｐゴシック" charset="-128"/>
+              <a:rPr lang="en-US" dirty="0">
+                <a:latin typeface="Trebuchet MS" charset="0"/>
+                <a:ea typeface="Trebuchet MS" charset="0"/>
+                <a:cs typeface="Trebuchet MS" charset="0"/>
               </a:rPr>
-              <a:t>Nome e cognome relatore/i, funzione e settore SUPSI</a:t>
-            </a:r>
+              <a:t>Marco Forgione, Dalle Molle Institute for Artificial Intelligence, USI-SUPSI, Lugano, Switzerland</a:t>
+            </a:r>
+            <a:endParaRPr lang="en-GB" dirty="0"/>
           </a:p>
         </p:txBody>
       </p:sp>
@@ -3879,7 +3882,7 @@
                   </a14:hiddenLine>
                 </a:ext>
                 <a:ext uri="{FAA26D3D-D897-4be2-8F04-BA451C77F1D7}">
-                  <ma14:placeholderFlag xmlns:ma14="http://schemas.microsoft.com/office/mac/drawingml/2011/main" xmlns="" val="1"/>
+                  <ma14:placeholderFlag xmlns="" xmlns:ma14="http://schemas.microsoft.com/office/mac/drawingml/2011/main" val="1"/>
                 </a:ext>
               </a:extLst>
             </p:spPr>
@@ -4635,7 +4638,7 @@
               </a14:hiddenLine>
             </a:ext>
             <a:ext uri="{FAA26D3D-D897-4be2-8F04-BA451C77F1D7}">
-              <ma14:placeholderFlag xmlns:ma14="http://schemas.microsoft.com/office/mac/drawingml/2011/main" xmlns="" val="1"/>
+              <ma14:placeholderFlag xmlns="" xmlns:ma14="http://schemas.microsoft.com/office/mac/drawingml/2011/main" val="1"/>
             </a:ext>
           </a:extLst>
         </p:spPr>
@@ -4854,15 +4857,6 @@
               <a:buNone/>
             </a:pPr>
             <a:endParaRPr lang="en-US" kern="0" dirty="0"/>
-          </a:p>
-          <a:p>
-            <a:pPr marL="0" indent="0">
-              <a:buNone/>
-            </a:pPr>
-            <a:r>
-              <a:rPr lang="en-US" kern="0" dirty="0"/>
-              <a:t>Everything seems to work well!</a:t>
-            </a:r>
           </a:p>
           <a:p>
             <a:pPr marL="0" indent="0">
@@ -7546,26 +7540,6 @@
 </file>
 
 <file path=customXml/item1.xml><?xml version="1.0" encoding="utf-8"?>
-<p:properties xmlns:p="http://schemas.microsoft.com/office/2006/metadata/properties" xmlns:xsi="http://www.w3.org/2001/XMLSchema-instance" xmlns:pc="http://schemas.microsoft.com/office/infopath/2007/PartnerControls">
-  <documentManagement>
-    <lcf76f155ced4ddcb4097134ff3c332f xmlns="0c05fedb-ed2a-4eb3-93de-5f5a6c97bfe0">
-      <Terms xmlns="http://schemas.microsoft.com/office/infopath/2007/PartnerControls"/>
-    </lcf76f155ced4ddcb4097134ff3c332f>
-    <TaxCatchAll xmlns="c69d801c-64cd-49bc-b1b3-ec2496ede094" xsi:nil="true"/>
-  </documentManagement>
-</p:properties>
-</file>
-
-<file path=customXml/item2.xml><?xml version="1.0" encoding="utf-8"?>
-<?mso-contentType ?>
-<FormTemplates xmlns="http://schemas.microsoft.com/sharepoint/v3/contenttype/forms">
-  <Display>DocumentLibraryForm</Display>
-  <Edit>DocumentLibraryForm</Edit>
-  <New>DocumentLibraryForm</New>
-</FormTemplates>
-</file>
-
-<file path=customXml/item3.xml><?xml version="1.0" encoding="utf-8"?>
 <ct:contentTypeSchema xmlns:ct="http://schemas.microsoft.com/office/2006/metadata/contentType" xmlns:ma="http://schemas.microsoft.com/office/2006/metadata/properties/metaAttributes" ct:_="" ma:_="" ma:contentTypeName="Document" ma:contentTypeID="0x010100E943B4D0C91CA54E9BBFAD215D4A4FF7" ma:contentTypeVersion="18" ma:contentTypeDescription="Create a new document." ma:contentTypeScope="" ma:versionID="48c4930ddcec7bff74490998dd84a4c1">
   <xsd:schema xmlns:xsd="http://www.w3.org/2001/XMLSchema" xmlns:xs="http://www.w3.org/2001/XMLSchema" xmlns:p="http://schemas.microsoft.com/office/2006/metadata/properties" xmlns:ns2="0c05fedb-ed2a-4eb3-93de-5f5a6c97bfe0" xmlns:ns3="c69d801c-64cd-49bc-b1b3-ec2496ede094" targetNamespace="http://schemas.microsoft.com/office/2006/metadata/properties" ma:root="true" ma:fieldsID="dcb337392c8a5973c5e221652a72fbb4" ns2:_="" ns3:_="">
     <xsd:import namespace="0c05fedb-ed2a-4eb3-93de-5f5a6c97bfe0"/>
@@ -7820,32 +7794,27 @@
 </ct:contentTypeSchema>
 </file>
 
-<file path=customXml/itemProps1.xml><?xml version="1.0" encoding="utf-8"?>
-<ds:datastoreItem xmlns:ds="http://schemas.openxmlformats.org/officeDocument/2006/customXml" ds:itemID="{862A9E72-43F2-4CCE-8F90-EBA4919DBB42}">
-  <ds:schemaRefs>
-    <ds:schemaRef ds:uri="http://schemas.microsoft.com/office/2006/documentManagement/types"/>
-    <ds:schemaRef ds:uri="c69d801c-64cd-49bc-b1b3-ec2496ede094"/>
-    <ds:schemaRef ds:uri="http://purl.org/dc/dcmitype/"/>
-    <ds:schemaRef ds:uri="http://purl.org/dc/elements/1.1/"/>
-    <ds:schemaRef ds:uri="http://schemas.openxmlformats.org/package/2006/metadata/core-properties"/>
-    <ds:schemaRef ds:uri="http://purl.org/dc/terms/"/>
-    <ds:schemaRef ds:uri="http://www.w3.org/XML/1998/namespace"/>
-    <ds:schemaRef ds:uri="http://schemas.microsoft.com/office/infopath/2007/PartnerControls"/>
-    <ds:schemaRef ds:uri="0c05fedb-ed2a-4eb3-93de-5f5a6c97bfe0"/>
-    <ds:schemaRef ds:uri="http://schemas.microsoft.com/office/2006/metadata/properties"/>
-  </ds:schemaRefs>
-</ds:datastoreItem>
+<file path=customXml/item2.xml><?xml version="1.0" encoding="utf-8"?>
+<?mso-contentType ?>
+<FormTemplates xmlns="http://schemas.microsoft.com/sharepoint/v3/contenttype/forms">
+  <Display>DocumentLibraryForm</Display>
+  <Edit>DocumentLibraryForm</Edit>
+  <New>DocumentLibraryForm</New>
+</FormTemplates>
 </file>
 
-<file path=customXml/itemProps2.xml><?xml version="1.0" encoding="utf-8"?>
-<ds:datastoreItem xmlns:ds="http://schemas.openxmlformats.org/officeDocument/2006/customXml" ds:itemID="{957E0BBE-38AF-4179-B401-F6E82B6A5F3D}">
-  <ds:schemaRefs>
-    <ds:schemaRef ds:uri="http://schemas.microsoft.com/sharepoint/v3/contenttype/forms"/>
-  </ds:schemaRefs>
-</ds:datastoreItem>
+<file path=customXml/item3.xml><?xml version="1.0" encoding="utf-8"?>
+<p:properties xmlns:p="http://schemas.microsoft.com/office/2006/metadata/properties" xmlns:xsi="http://www.w3.org/2001/XMLSchema-instance" xmlns:pc="http://schemas.microsoft.com/office/infopath/2007/PartnerControls">
+  <documentManagement>
+    <lcf76f155ced4ddcb4097134ff3c332f xmlns="0c05fedb-ed2a-4eb3-93de-5f5a6c97bfe0">
+      <Terms xmlns="http://schemas.microsoft.com/office/infopath/2007/PartnerControls"/>
+    </lcf76f155ced4ddcb4097134ff3c332f>
+    <TaxCatchAll xmlns="c69d801c-64cd-49bc-b1b3-ec2496ede094" xsi:nil="true"/>
+  </documentManagement>
+</p:properties>
 </file>
 
-<file path=customXml/itemProps3.xml><?xml version="1.0" encoding="utf-8"?>
+<file path=customXml/itemProps1.xml><?xml version="1.0" encoding="utf-8"?>
 <ds:datastoreItem xmlns:ds="http://schemas.openxmlformats.org/officeDocument/2006/customXml" ds:itemID="{950C4CF8-8E6C-4481-8DE0-79509E1800D4}">
   <ds:schemaRefs>
     <ds:schemaRef ds:uri="http://schemas.microsoft.com/office/2006/metadata/contentType"/>
@@ -7862,4 +7831,29 @@
     <ds:schemaRef ds:uri="http://schemas.microsoft.com/internal/obd"/>
   </ds:schemaRefs>
 </ds:datastoreItem>
+</file>
+
+<file path=customXml/itemProps2.xml><?xml version="1.0" encoding="utf-8"?>
+<ds:datastoreItem xmlns:ds="http://schemas.openxmlformats.org/officeDocument/2006/customXml" ds:itemID="{957E0BBE-38AF-4179-B401-F6E82B6A5F3D}">
+  <ds:schemaRefs>
+    <ds:schemaRef ds:uri="http://schemas.microsoft.com/sharepoint/v3/contenttype/forms"/>
+  </ds:schemaRefs>
+</ds:datastoreItem>
+</file>
+
+<file path=customXml/itemProps3.xml><?xml version="1.0" encoding="utf-8"?>
+<ds:datastoreItem xmlns:ds="http://schemas.openxmlformats.org/officeDocument/2006/customXml" ds:itemID="{862A9E72-43F2-4CCE-8F90-EBA4919DBB42}">
+  <ds:schemaRefs>
+    <ds:schemaRef ds:uri="http://schemas.microsoft.com/office/2006/documentManagement/types"/>
+    <ds:schemaRef ds:uri="c69d801c-64cd-49bc-b1b3-ec2496ede094"/>
+    <ds:schemaRef ds:uri="http://purl.org/dc/dcmitype/"/>
+    <ds:schemaRef ds:uri="http://purl.org/dc/elements/1.1/"/>
+    <ds:schemaRef ds:uri="http://schemas.openxmlformats.org/package/2006/metadata/core-properties"/>
+    <ds:schemaRef ds:uri="http://purl.org/dc/terms/"/>
+    <ds:schemaRef ds:uri="http://www.w3.org/XML/1998/namespace"/>
+    <ds:schemaRef ds:uri="http://schemas.microsoft.com/office/infopath/2007/PartnerControls"/>
+    <ds:schemaRef ds:uri="0c05fedb-ed2a-4eb3-93de-5f5a6c97bfe0"/>
+    <ds:schemaRef ds:uri="http://schemas.microsoft.com/office/2006/metadata/properties"/>
+  </ds:schemaRefs>
+</ds:datastoreItem>
 </file>